--- a/doc/Презентация Управление распределенным складом.pptx
+++ b/doc/Презентация Управление распределенным складом.pptx
@@ -139,7 +139,7 @@
 <file path=ppt/revisionInfo.xml><?xml version="1.0" encoding="utf-8"?>
 <p1510:revInfo xmlns:a="http://schemas.openxmlformats.org/drawingml/2006/main" xmlns:r="http://schemas.openxmlformats.org/officeDocument/2006/relationships" xmlns:p1510="http://schemas.microsoft.com/office/powerpoint/2015/10/main">
   <p1510:revLst>
-    <p1510:client id="{0F70E84C-6F95-42F4-A5B2-5151A9F23341}" v="3775" dt="2025-12-05T11:28:15.554"/>
+    <p1510:client id="{0F70E84C-6F95-42F4-A5B2-5151A9F23341}" v="3803" dt="2025-12-05T16:40:02.291"/>
   </p1510:revLst>
 </p1510:revInfo>
 </file>
@@ -8703,10 +8703,10 @@
       </p:sp>
       <p:pic>
         <p:nvPicPr>
-          <p:cNvPr id="3" name="Рисунок 2" descr="Изображение выглядит как текст, диаграмма, Технический чертеж, План&#10;&#10;Содержимое, созданное искусственным интеллектом, может быть неверным.">
+          <p:cNvPr id="4" name="Рисунок 3" descr="Изображение выглядит как текст, диаграмма, План, Технический чертеж&#10;&#10;Содержимое, созданное искусственным интеллектом, может быть неверным.">
             <a:extLst>
               <a:ext uri="{FF2B5EF4-FFF2-40B4-BE49-F238E27FC236}">
-                <a16:creationId xmlns:a16="http://schemas.microsoft.com/office/drawing/2014/main" id="{E33C085C-64C9-7174-1050-878B8D2CA041}"/>
+                <a16:creationId xmlns:a16="http://schemas.microsoft.com/office/drawing/2014/main" id="{DEC4FEE8-2D57-4743-1549-6A8461BC8101}"/>
               </a:ext>
             </a:extLst>
           </p:cNvPr>
@@ -8723,8 +8723,8 @@
         </p:blipFill>
         <p:spPr>
           <a:xfrm>
-            <a:off x="182880" y="1000235"/>
-            <a:ext cx="8778240" cy="2670590"/>
+            <a:off x="216054" y="868696"/>
+            <a:ext cx="8711892" cy="2625524"/>
           </a:xfrm>
           <a:prstGeom prst="rect">
             <a:avLst/>
@@ -13607,36 +13607,6 @@
           </a:p>
         </p:txBody>
       </p:sp>
-      <p:pic>
-        <p:nvPicPr>
-          <p:cNvPr id="5" name="Рисунок 4" descr="Изображение выглядит как диаграмма, текст, План, Прямоугольник&#10;&#10;Содержимое, созданное искусственным интеллектом, может быть неверным.">
-            <a:extLst>
-              <a:ext uri="{FF2B5EF4-FFF2-40B4-BE49-F238E27FC236}">
-                <a16:creationId xmlns:a16="http://schemas.microsoft.com/office/drawing/2014/main" id="{12087A0F-4849-033D-3BD7-0E91907B1390}"/>
-              </a:ext>
-            </a:extLst>
-          </p:cNvPr>
-          <p:cNvPicPr>
-            <a:picLocks noChangeAspect="1"/>
-          </p:cNvPicPr>
-          <p:nvPr/>
-        </p:nvPicPr>
-        <p:blipFill>
-          <a:blip r:embed="rId2"/>
-          <a:stretch>
-            <a:fillRect/>
-          </a:stretch>
-        </p:blipFill>
-        <p:spPr>
-          <a:xfrm>
-            <a:off x="191151" y="809051"/>
-            <a:ext cx="8747760" cy="2811162"/>
-          </a:xfrm>
-          <a:prstGeom prst="rect">
-            <a:avLst/>
-          </a:prstGeom>
-        </p:spPr>
-      </p:pic>
       <p:sp>
         <p:nvSpPr>
           <p:cNvPr id="3" name="TextBox 2">
@@ -13677,6 +13647,36 @@
           </a:p>
         </p:txBody>
       </p:sp>
+      <p:pic>
+        <p:nvPicPr>
+          <p:cNvPr id="4" name="Рисунок 3" descr="Изображение выглядит как текст, диаграмма, План, снимок экрана&#10;&#10;Содержимое, созданное искусственным интеллектом, может быть неверным.">
+            <a:extLst>
+              <a:ext uri="{FF2B5EF4-FFF2-40B4-BE49-F238E27FC236}">
+                <a16:creationId xmlns:a16="http://schemas.microsoft.com/office/drawing/2014/main" id="{F89AE620-AD18-E84D-2A71-DC5832291C4A}"/>
+              </a:ext>
+            </a:extLst>
+          </p:cNvPr>
+          <p:cNvPicPr>
+            <a:picLocks noChangeAspect="1"/>
+          </p:cNvPicPr>
+          <p:nvPr/>
+        </p:nvPicPr>
+        <p:blipFill>
+          <a:blip r:embed="rId2"/>
+          <a:stretch>
+            <a:fillRect/>
+          </a:stretch>
+        </p:blipFill>
+        <p:spPr>
+          <a:xfrm>
+            <a:off x="195146" y="804887"/>
+            <a:ext cx="8670074" cy="2808896"/>
+          </a:xfrm>
+          <a:prstGeom prst="rect">
+            <a:avLst/>
+          </a:prstGeom>
+        </p:spPr>
+      </p:pic>
     </p:spTree>
     <p:extLst>
       <p:ext uri="{BB962C8B-B14F-4D97-AF65-F5344CB8AC3E}">
@@ -13758,10 +13758,10 @@
       </p:sp>
       <p:pic>
         <p:nvPicPr>
-          <p:cNvPr id="3" name="Рисунок 2" descr="Изображение выглядит как текст, диаграмма, План, Технический чертеж&#10;&#10;Содержимое, созданное искусственным интеллектом, может быть неверным.">
+          <p:cNvPr id="4" name="Рисунок 3" descr="Изображение выглядит как текст, диаграмма, План, Технический чертеж&#10;&#10;Содержимое, созданное искусственным интеллектом, может быть неверным.">
             <a:extLst>
               <a:ext uri="{FF2B5EF4-FFF2-40B4-BE49-F238E27FC236}">
-                <a16:creationId xmlns:a16="http://schemas.microsoft.com/office/drawing/2014/main" id="{611648D4-B907-5685-B0EF-91149714E2F6}"/>
+                <a16:creationId xmlns:a16="http://schemas.microsoft.com/office/drawing/2014/main" id="{50EE0F72-7E36-8093-F6FD-E42EB01C573A}"/>
               </a:ext>
             </a:extLst>
           </p:cNvPr>
@@ -13778,8 +13778,8 @@
         </p:blipFill>
         <p:spPr>
           <a:xfrm>
-            <a:off x="281940" y="814514"/>
-            <a:ext cx="8587740" cy="3392551"/>
+            <a:off x="251460" y="828570"/>
+            <a:ext cx="8641080" cy="3463500"/>
           </a:xfrm>
           <a:prstGeom prst="rect">
             <a:avLst/>
